--- a/requirements/Project Scope.pptx
+++ b/requirements/Project Scope.pptx
@@ -1752,7 +1752,7 @@
           <a:p>
             <a:fld id="{26ECF0E8-3D60-4410-B974-50FF6275855E}" type="datetimeFigureOut">
               <a:rPr lang="en-US" smtClean="0"/>
-              <a:t>11/11/2021</a:t>
+              <a:t>11/15/2021</a:t>
             </a:fld>
             <a:endParaRPr lang="en-US"/>
           </a:p>
@@ -2041,7 +2041,7 @@
           <a:p>
             <a:fld id="{26ECF0E8-3D60-4410-B974-50FF6275855E}" type="datetimeFigureOut">
               <a:rPr lang="en-US" smtClean="0"/>
-              <a:t>11/11/2021</a:t>
+              <a:t>11/15/2021</a:t>
             </a:fld>
             <a:endParaRPr lang="en-US"/>
           </a:p>
@@ -2330,7 +2330,7 @@
           <a:p>
             <a:fld id="{26ECF0E8-3D60-4410-B974-50FF6275855E}" type="datetimeFigureOut">
               <a:rPr lang="en-US" smtClean="0"/>
-              <a:t>11/11/2021</a:t>
+              <a:t>11/15/2021</a:t>
             </a:fld>
             <a:endParaRPr lang="en-US"/>
           </a:p>
@@ -2619,7 +2619,7 @@
           <a:p>
             <a:fld id="{26ECF0E8-3D60-4410-B974-50FF6275855E}" type="datetimeFigureOut">
               <a:rPr lang="en-US" smtClean="0"/>
-              <a:t>11/11/2021</a:t>
+              <a:t>11/15/2021</a:t>
             </a:fld>
             <a:endParaRPr lang="en-US"/>
           </a:p>
@@ -2856,7 +2856,7 @@
           <a:p>
             <a:fld id="{26ECF0E8-3D60-4410-B974-50FF6275855E}" type="datetimeFigureOut">
               <a:rPr lang="en-US" smtClean="0"/>
-              <a:t>11/11/2021</a:t>
+              <a:t>11/15/2021</a:t>
             </a:fld>
             <a:endParaRPr lang="en-US"/>
           </a:p>
@@ -3360,7 +3360,7 @@
           <a:p>
             <a:fld id="{26ECF0E8-3D60-4410-B974-50FF6275855E}" type="datetimeFigureOut">
               <a:rPr lang="en-US" smtClean="0"/>
-              <a:t>11/11/2021</a:t>
+              <a:t>11/15/2021</a:t>
             </a:fld>
             <a:endParaRPr lang="en-US"/>
           </a:p>
@@ -3546,7 +3546,7 @@
           <a:p>
             <a:fld id="{26ECF0E8-3D60-4410-B974-50FF6275855E}" type="datetimeFigureOut">
               <a:rPr lang="en-US" smtClean="0"/>
-              <a:t>11/11/2021</a:t>
+              <a:t>11/15/2021</a:t>
             </a:fld>
             <a:endParaRPr lang="en-US"/>
           </a:p>
@@ -5359,7 +5359,7 @@
           <a:p>
             <a:fld id="{26ECF0E8-3D60-4410-B974-50FF6275855E}" type="datetimeFigureOut">
               <a:rPr lang="en-US" smtClean="0"/>
-              <a:t>11/11/2021</a:t>
+              <a:t>11/15/2021</a:t>
             </a:fld>
             <a:endParaRPr lang="en-US"/>
           </a:p>
@@ -5563,7 +5563,7 @@
           <a:p>
             <a:fld id="{26ECF0E8-3D60-4410-B974-50FF6275855E}" type="datetimeFigureOut">
               <a:rPr lang="en-US" smtClean="0"/>
-              <a:t>11/11/2021</a:t>
+              <a:t>11/15/2021</a:t>
             </a:fld>
             <a:endParaRPr lang="en-US"/>
           </a:p>
@@ -5764,7 +5764,7 @@
           <a:p>
             <a:fld id="{26ECF0E8-3D60-4410-B974-50FF6275855E}" type="datetimeFigureOut">
               <a:rPr lang="en-US" smtClean="0"/>
-              <a:t>11/11/2021</a:t>
+              <a:t>11/15/2021</a:t>
             </a:fld>
             <a:endParaRPr lang="en-US"/>
           </a:p>
@@ -6026,7 +6026,7 @@
           <a:p>
             <a:fld id="{26ECF0E8-3D60-4410-B974-50FF6275855E}" type="datetimeFigureOut">
               <a:rPr lang="en-US" smtClean="0"/>
-              <a:t>11/11/2021</a:t>
+              <a:t>11/15/2021</a:t>
             </a:fld>
             <a:endParaRPr lang="en-US"/>
           </a:p>
@@ -6402,7 +6402,7 @@
           <a:p>
             <a:fld id="{26ECF0E8-3D60-4410-B974-50FF6275855E}" type="datetimeFigureOut">
               <a:rPr lang="en-US" smtClean="0"/>
-              <a:t>11/11/2021</a:t>
+              <a:t>11/15/2021</a:t>
             </a:fld>
             <a:endParaRPr lang="en-US"/>
           </a:p>
@@ -6769,7 +6769,7 @@
           <a:p>
             <a:fld id="{26ECF0E8-3D60-4410-B974-50FF6275855E}" type="datetimeFigureOut">
               <a:rPr lang="en-US" smtClean="0"/>
-              <a:t>11/11/2021</a:t>
+              <a:t>11/15/2021</a:t>
             </a:fld>
             <a:endParaRPr lang="en-US"/>
           </a:p>
@@ -10137,8 +10137,8 @@
           </a:p>
         </p:txBody>
       </p:sp>
-      <mc:AlternateContent xmlns:mc="http://schemas.openxmlformats.org/markup-compatibility/2006">
-        <mc:Choice xmlns:a14="http://schemas.microsoft.com/office/drawing/2010/main" Requires="a14">
+      <mc:AlternateContent xmlns:mc="http://schemas.openxmlformats.org/markup-compatibility/2006" xmlns:a14="http://schemas.microsoft.com/office/drawing/2010/main">
+        <mc:Choice Requires="a14">
           <p:sp>
             <p:nvSpPr>
               <p:cNvPr id="5" name="Rectangle 4">
@@ -10406,7 +10406,7 @@
             </p:txBody>
           </p:sp>
         </mc:Choice>
-        <mc:Fallback>
+        <mc:Fallback xmlns="">
           <p:sp>
             <p:nvSpPr>
               <p:cNvPr id="5" name="Rectangle 4">
@@ -10499,8 +10499,8 @@
           </a:p>
         </p:txBody>
       </p:sp>
-      <mc:AlternateContent xmlns:mc="http://schemas.openxmlformats.org/markup-compatibility/2006">
-        <mc:Choice xmlns:a14="http://schemas.microsoft.com/office/drawing/2010/main" Requires="a14">
+      <mc:AlternateContent xmlns:mc="http://schemas.openxmlformats.org/markup-compatibility/2006" xmlns:a14="http://schemas.microsoft.com/office/drawing/2010/main">
+        <mc:Choice Requires="a14">
           <p:sp>
             <p:nvSpPr>
               <p:cNvPr id="9" name="Rectangle 8">
@@ -10615,7 +10615,7 @@
             </p:txBody>
           </p:sp>
         </mc:Choice>
-        <mc:Fallback>
+        <mc:Fallback xmlns="">
           <p:sp>
             <p:nvSpPr>
               <p:cNvPr id="9" name="Rectangle 8">
@@ -10965,8 +10965,8 @@
           </a:p>
         </p:txBody>
       </p:sp>
-      <mc:AlternateContent xmlns:mc="http://schemas.openxmlformats.org/markup-compatibility/2006">
-        <mc:Choice xmlns:a14="http://schemas.microsoft.com/office/drawing/2010/main" Requires="a14">
+      <mc:AlternateContent xmlns:mc="http://schemas.openxmlformats.org/markup-compatibility/2006" xmlns:a14="http://schemas.microsoft.com/office/drawing/2010/main">
+        <mc:Choice Requires="a14">
           <p:sp>
             <p:nvSpPr>
               <p:cNvPr id="75" name="Rectangle 74">
@@ -11081,7 +11081,7 @@
             </p:txBody>
           </p:sp>
         </mc:Choice>
-        <mc:Fallback>
+        <mc:Fallback xmlns="">
           <p:sp>
             <p:nvSpPr>
               <p:cNvPr id="75" name="Rectangle 74">
@@ -11221,8 +11221,8 @@
           </a:fontRef>
         </p:style>
       </p:cxnSp>
-      <mc:AlternateContent xmlns:mc="http://schemas.openxmlformats.org/markup-compatibility/2006">
-        <mc:Choice xmlns:a14="http://schemas.microsoft.com/office/drawing/2010/main" Requires="a14">
+      <mc:AlternateContent xmlns:mc="http://schemas.openxmlformats.org/markup-compatibility/2006" xmlns:a14="http://schemas.microsoft.com/office/drawing/2010/main">
+        <mc:Choice Requires="a14">
           <p:sp>
             <p:nvSpPr>
               <p:cNvPr id="95" name="TextBox 94">
@@ -11301,7 +11301,7 @@
             </p:txBody>
           </p:sp>
         </mc:Choice>
-        <mc:Fallback>
+        <mc:Fallback xmlns="">
           <p:sp>
             <p:nvSpPr>
               <p:cNvPr id="95" name="TextBox 94">
@@ -11346,8 +11346,8 @@
           </p:sp>
         </mc:Fallback>
       </mc:AlternateContent>
-      <mc:AlternateContent xmlns:mc="http://schemas.openxmlformats.org/markup-compatibility/2006">
-        <mc:Choice xmlns:a14="http://schemas.microsoft.com/office/drawing/2010/main" Requires="a14">
+      <mc:AlternateContent xmlns:mc="http://schemas.openxmlformats.org/markup-compatibility/2006" xmlns:a14="http://schemas.microsoft.com/office/drawing/2010/main">
+        <mc:Choice Requires="a14">
           <p:sp>
             <p:nvSpPr>
               <p:cNvPr id="96" name="TextBox 95">
@@ -11474,7 +11474,7 @@
             </p:txBody>
           </p:sp>
         </mc:Choice>
-        <mc:Fallback>
+        <mc:Fallback xmlns="">
           <p:sp>
             <p:nvSpPr>
               <p:cNvPr id="96" name="TextBox 95">
@@ -11519,8 +11519,8 @@
           </p:sp>
         </mc:Fallback>
       </mc:AlternateContent>
-      <mc:AlternateContent xmlns:mc="http://schemas.openxmlformats.org/markup-compatibility/2006">
-        <mc:Choice xmlns:a14="http://schemas.microsoft.com/office/drawing/2010/main" Requires="a14">
+      <mc:AlternateContent xmlns:mc="http://schemas.openxmlformats.org/markup-compatibility/2006" xmlns:a14="http://schemas.microsoft.com/office/drawing/2010/main">
+        <mc:Choice Requires="a14">
           <p:sp>
             <p:nvSpPr>
               <p:cNvPr id="97" name="Rectangle 96">
@@ -11788,7 +11788,7 @@
             </p:txBody>
           </p:sp>
         </mc:Choice>
-        <mc:Fallback>
+        <mc:Fallback xmlns="">
           <p:sp>
             <p:nvSpPr>
               <p:cNvPr id="97" name="Rectangle 96">
@@ -11928,8 +11928,8 @@
           </a:fontRef>
         </p:style>
       </p:cxnSp>
-      <mc:AlternateContent xmlns:mc="http://schemas.openxmlformats.org/markup-compatibility/2006">
-        <mc:Choice xmlns:a14="http://schemas.microsoft.com/office/drawing/2010/main" Requires="a14">
+      <mc:AlternateContent xmlns:mc="http://schemas.openxmlformats.org/markup-compatibility/2006" xmlns:a14="http://schemas.microsoft.com/office/drawing/2010/main">
+        <mc:Choice Requires="a14">
           <p:sp>
             <p:nvSpPr>
               <p:cNvPr id="108" name="TextBox 107">
@@ -12008,7 +12008,7 @@
             </p:txBody>
           </p:sp>
         </mc:Choice>
-        <mc:Fallback>
+        <mc:Fallback xmlns="">
           <p:sp>
             <p:nvSpPr>
               <p:cNvPr id="108" name="TextBox 107">
@@ -12053,8 +12053,8 @@
           </p:sp>
         </mc:Fallback>
       </mc:AlternateContent>
-      <mc:AlternateContent xmlns:mc="http://schemas.openxmlformats.org/markup-compatibility/2006">
-        <mc:Choice xmlns:a14="http://schemas.microsoft.com/office/drawing/2010/main" Requires="a14">
+      <mc:AlternateContent xmlns:mc="http://schemas.openxmlformats.org/markup-compatibility/2006" xmlns:a14="http://schemas.microsoft.com/office/drawing/2010/main">
+        <mc:Choice Requires="a14">
           <p:sp>
             <p:nvSpPr>
               <p:cNvPr id="109" name="TextBox 108">
@@ -12181,7 +12181,7 @@
             </p:txBody>
           </p:sp>
         </mc:Choice>
-        <mc:Fallback>
+        <mc:Fallback xmlns="">
           <p:sp>
             <p:nvSpPr>
               <p:cNvPr id="109" name="TextBox 108">
@@ -12284,8 +12284,8 @@
           </a:p>
         </p:txBody>
       </p:sp>
-      <mc:AlternateContent xmlns:mc="http://schemas.openxmlformats.org/markup-compatibility/2006">
-        <mc:Choice xmlns:a14="http://schemas.microsoft.com/office/drawing/2010/main" Requires="a14">
+      <mc:AlternateContent xmlns:mc="http://schemas.openxmlformats.org/markup-compatibility/2006" xmlns:a14="http://schemas.microsoft.com/office/drawing/2010/main">
+        <mc:Choice Requires="a14">
           <p:sp>
             <p:nvSpPr>
               <p:cNvPr id="3" name="Content Placeholder 2">
@@ -12755,7 +12755,7 @@
             </p:txBody>
           </p:sp>
         </mc:Choice>
-        <mc:Fallback>
+        <mc:Fallback xmlns="">
           <p:sp>
             <p:nvSpPr>
               <p:cNvPr id="3" name="Content Placeholder 2">
@@ -12968,8 +12968,8 @@
           </a:p>
         </p:txBody>
       </p:sp>
-      <mc:AlternateContent xmlns:mc="http://schemas.openxmlformats.org/markup-compatibility/2006">
-        <mc:Choice xmlns:a14="http://schemas.microsoft.com/office/drawing/2010/main" Requires="a14">
+      <mc:AlternateContent xmlns:mc="http://schemas.openxmlformats.org/markup-compatibility/2006" xmlns:a14="http://schemas.microsoft.com/office/drawing/2010/main">
+        <mc:Choice Requires="a14">
           <p:sp>
             <p:nvSpPr>
               <p:cNvPr id="3" name="Content Placeholder 2">
@@ -13002,6 +13002,7 @@
                 </a:r>
               </a:p>
               <a:p>
+                <a:pPr/>
                 <a14:m>
                   <m:oMathPara xmlns:m="http://schemas.openxmlformats.org/officeDocument/2006/math">
                     <m:oMathParaPr>
@@ -13255,7 +13256,7 @@
             </p:txBody>
           </p:sp>
         </mc:Choice>
-        <mc:Fallback>
+        <mc:Fallback xmlns="">
           <p:sp>
             <p:nvSpPr>
               <p:cNvPr id="3" name="Content Placeholder 2">
@@ -13283,6 +13284,257 @@
                   <a:fillRect l="-1275"/>
                 </a:stretch>
               </a:blipFill>
+            </p:spPr>
+            <p:txBody>
+              <a:bodyPr/>
+              <a:lstStyle/>
+              <a:p>
+                <a:r>
+                  <a:rPr lang="en-US">
+                    <a:noFill/>
+                  </a:rPr>
+                  <a:t> </a:t>
+                </a:r>
+              </a:p>
+            </p:txBody>
+          </p:sp>
+        </mc:Fallback>
+      </mc:AlternateContent>
+      <mc:AlternateContent xmlns:mc="http://schemas.openxmlformats.org/markup-compatibility/2006">
+        <mc:Choice xmlns:a14="http://schemas.microsoft.com/office/drawing/2010/main" Requires="a14">
+          <p:sp>
+            <p:nvSpPr>
+              <p:cNvPr id="5" name="Rectangle 4">
+                <a:extLst>
+                  <a:ext uri="{FF2B5EF4-FFF2-40B4-BE49-F238E27FC236}">
+                    <a16:creationId xmlns:a16="http://schemas.microsoft.com/office/drawing/2014/main" id="{B88B3959-F77D-4056-97C1-1228DBC453F0}"/>
+                  </a:ext>
+                </a:extLst>
+              </p:cNvPr>
+              <p:cNvSpPr/>
+              <p:nvPr/>
+            </p:nvSpPr>
+            <p:spPr>
+              <a:xfrm>
+                <a:off x="7446255" y="2423070"/>
+                <a:ext cx="4586418" cy="1754326"/>
+              </a:xfrm>
+              <a:prstGeom prst="rect">
+                <a:avLst/>
+              </a:prstGeom>
+              <a:ln>
+                <a:solidFill>
+                  <a:schemeClr val="accent1"/>
+                </a:solidFill>
+              </a:ln>
+            </p:spPr>
+            <p:txBody>
+              <a:bodyPr wrap="square">
+                <a:spAutoFit/>
+              </a:bodyPr>
+              <a:lstStyle/>
+              <a:p>
+                <a:pPr marL="342900" indent="-342900">
+                  <a:buFont typeface="Arial" panose="020B0604020202020204" pitchFamily="34" charset="0"/>
+                  <a:buChar char="•"/>
+                </a:pPr>
+                <a14:m>
+                  <m:oMath xmlns:m="http://schemas.openxmlformats.org/officeDocument/2006/math">
+                    <m:sSub>
+                      <m:sSubPr>
+                        <m:ctrlPr>
+                          <a:rPr lang="en-US" i="1" dirty="0">
+                            <a:latin typeface="Cambria Math" panose="02040503050406030204" pitchFamily="18" charset="0"/>
+                          </a:rPr>
+                        </m:ctrlPr>
+                      </m:sSubPr>
+                      <m:e>
+                        <m:r>
+                          <a:rPr lang="en-US" i="1" dirty="0">
+                            <a:latin typeface="Cambria Math" panose="02040503050406030204" pitchFamily="18" charset="0"/>
+                          </a:rPr>
+                          <m:t>𝐶𝐹</m:t>
+                        </m:r>
+                      </m:e>
+                      <m:sub>
+                        <m:r>
+                          <a:rPr lang="en-US" i="1" dirty="0">
+                            <a:latin typeface="Cambria Math" panose="02040503050406030204" pitchFamily="18" charset="0"/>
+                          </a:rPr>
+                          <m:t>1</m:t>
+                        </m:r>
+                      </m:sub>
+                    </m:sSub>
+                  </m:oMath>
+                </a14:m>
+                <a:r>
+                  <a:rPr lang="en-US" dirty="0"/>
+                  <a:t> = Component crashed</a:t>
+                </a:r>
+                <a:endParaRPr lang="en-US" i="1" dirty="0">
+                  <a:latin typeface="Cambria Math" panose="02040503050406030204" pitchFamily="18" charset="0"/>
+                </a:endParaRPr>
+              </a:p>
+              <a:p>
+                <a:pPr marL="342900" indent="-342900">
+                  <a:buFont typeface="Arial" panose="020B0604020202020204" pitchFamily="34" charset="0"/>
+                  <a:buChar char="•"/>
+                </a:pPr>
+                <a14:m>
+                  <m:oMath xmlns:m="http://schemas.openxmlformats.org/officeDocument/2006/math">
+                    <m:sSub>
+                      <m:sSubPr>
+                        <m:ctrlPr>
+                          <a:rPr lang="en-US" i="1" dirty="0">
+                            <a:latin typeface="Cambria Math" panose="02040503050406030204" pitchFamily="18" charset="0"/>
+                          </a:rPr>
+                        </m:ctrlPr>
+                      </m:sSubPr>
+                      <m:e>
+                        <m:r>
+                          <a:rPr lang="en-US" i="1" dirty="0">
+                            <a:latin typeface="Cambria Math" panose="02040503050406030204" pitchFamily="18" charset="0"/>
+                          </a:rPr>
+                          <m:t>𝐶𝐹</m:t>
+                        </m:r>
+                      </m:e>
+                      <m:sub>
+                        <m:r>
+                          <a:rPr lang="en-US" i="1" dirty="0">
+                            <a:latin typeface="Cambria Math" panose="02040503050406030204" pitchFamily="18" charset="0"/>
+                          </a:rPr>
+                          <m:t>2</m:t>
+                        </m:r>
+                      </m:sub>
+                    </m:sSub>
+                  </m:oMath>
+                </a14:m>
+                <a:r>
+                  <a:rPr lang="en-US" dirty="0"/>
+                  <a:t>  = Component throws exceptions</a:t>
+                </a:r>
+                <a:endParaRPr lang="en-US" i="1" dirty="0">
+                  <a:latin typeface="Cambria Math" panose="02040503050406030204" pitchFamily="18" charset="0"/>
+                </a:endParaRPr>
+              </a:p>
+              <a:p>
+                <a:pPr marL="342900" indent="-342900">
+                  <a:buFont typeface="Arial" panose="020B0604020202020204" pitchFamily="34" charset="0"/>
+                  <a:buChar char="•"/>
+                </a:pPr>
+                <a14:m>
+                  <m:oMath xmlns:m="http://schemas.openxmlformats.org/officeDocument/2006/math">
+                    <m:sSub>
+                      <m:sSubPr>
+                        <m:ctrlPr>
+                          <a:rPr lang="en-US" i="1" dirty="0">
+                            <a:latin typeface="Cambria Math" panose="02040503050406030204" pitchFamily="18" charset="0"/>
+                          </a:rPr>
+                        </m:ctrlPr>
+                      </m:sSubPr>
+                      <m:e>
+                        <m:r>
+                          <a:rPr lang="en-US" i="1" dirty="0">
+                            <a:latin typeface="Cambria Math" panose="02040503050406030204" pitchFamily="18" charset="0"/>
+                          </a:rPr>
+                          <m:t>𝐶𝐹</m:t>
+                        </m:r>
+                      </m:e>
+                      <m:sub>
+                        <m:r>
+                          <a:rPr lang="en-US" i="1" dirty="0">
+                            <a:latin typeface="Cambria Math" panose="02040503050406030204" pitchFamily="18" charset="0"/>
+                          </a:rPr>
+                          <m:t>3</m:t>
+                        </m:r>
+                      </m:sub>
+                    </m:sSub>
+                  </m:oMath>
+                </a14:m>
+                <a:r>
+                  <a:rPr lang="en-US" dirty="0"/>
+                  <a:t>  = Component is undeployed</a:t>
+                </a:r>
+                <a:endParaRPr lang="en-US" i="1" dirty="0">
+                  <a:latin typeface="Cambria Math" panose="02040503050406030204" pitchFamily="18" charset="0"/>
+                </a:endParaRPr>
+              </a:p>
+              <a:p>
+                <a:pPr marL="342900" indent="-342900">
+                  <a:buFont typeface="Arial" panose="020B0604020202020204" pitchFamily="34" charset="0"/>
+                  <a:buChar char="•"/>
+                </a:pPr>
+                <a14:m>
+                  <m:oMath xmlns:m="http://schemas.openxmlformats.org/officeDocument/2006/math">
+                    <m:sSub>
+                      <m:sSubPr>
+                        <m:ctrlPr>
+                          <a:rPr lang="en-US" i="1" dirty="0">
+                            <a:latin typeface="Cambria Math" panose="02040503050406030204" pitchFamily="18" charset="0"/>
+                          </a:rPr>
+                        </m:ctrlPr>
+                      </m:sSubPr>
+                      <m:e>
+                        <m:r>
+                          <a:rPr lang="en-US" i="1" dirty="0">
+                            <a:latin typeface="Cambria Math" panose="02040503050406030204" pitchFamily="18" charset="0"/>
+                          </a:rPr>
+                          <m:t>𝐶𝐹</m:t>
+                        </m:r>
+                      </m:e>
+                      <m:sub>
+                        <m:r>
+                          <a:rPr lang="en-US" i="1" dirty="0">
+                            <a:latin typeface="Cambria Math" panose="02040503050406030204" pitchFamily="18" charset="0"/>
+                          </a:rPr>
+                          <m:t>5</m:t>
+                        </m:r>
+                      </m:sub>
+                    </m:sSub>
+                  </m:oMath>
+                </a14:m>
+                <a:r>
+                  <a:rPr lang="en-US" dirty="0"/>
+                  <a:t>  = Change in the system load causing sub-optimal performance</a:t>
+                </a:r>
+              </a:p>
+            </p:txBody>
+          </p:sp>
+        </mc:Choice>
+        <mc:Fallback>
+          <p:sp>
+            <p:nvSpPr>
+              <p:cNvPr id="5" name="Rectangle 4">
+                <a:extLst>
+                  <a:ext uri="{FF2B5EF4-FFF2-40B4-BE49-F238E27FC236}">
+                    <a16:creationId xmlns:a16="http://schemas.microsoft.com/office/drawing/2014/main" id="{B88B3959-F77D-4056-97C1-1228DBC453F0}"/>
+                  </a:ext>
+                </a:extLst>
+              </p:cNvPr>
+              <p:cNvSpPr>
+                <a:spLocks noRot="1" noChangeAspect="1" noMove="1" noResize="1" noEditPoints="1" noAdjustHandles="1" noChangeArrowheads="1" noChangeShapeType="1" noTextEdit="1"/>
+              </p:cNvSpPr>
+              <p:nvPr/>
+            </p:nvSpPr>
+            <p:spPr>
+              <a:xfrm>
+                <a:off x="7446255" y="2423070"/>
+                <a:ext cx="4586418" cy="1754326"/>
+              </a:xfrm>
+              <a:prstGeom prst="rect">
+                <a:avLst/>
+              </a:prstGeom>
+              <a:blipFill>
+                <a:blip r:embed="rId3"/>
+                <a:stretch>
+                  <a:fillRect l="-662" t="-1379" b="-4138"/>
+                </a:stretch>
+              </a:blipFill>
+              <a:ln>
+                <a:solidFill>
+                  <a:schemeClr val="accent1"/>
+                </a:solidFill>
+              </a:ln>
             </p:spPr>
             <p:txBody>
               <a:bodyPr/>
@@ -13673,8 +13925,8 @@
           </a:p>
         </p:txBody>
       </p:sp>
-      <mc:AlternateContent xmlns:mc="http://schemas.openxmlformats.org/markup-compatibility/2006">
-        <mc:Choice xmlns:a14="http://schemas.microsoft.com/office/drawing/2010/main" Requires="a14">
+      <mc:AlternateContent xmlns:mc="http://schemas.openxmlformats.org/markup-compatibility/2006" xmlns:a14="http://schemas.microsoft.com/office/drawing/2010/main">
+        <mc:Choice Requires="a14">
           <p:sp>
             <p:nvSpPr>
               <p:cNvPr id="3" name="Content Placeholder 2">
@@ -13976,7 +14228,7 @@
             </p:txBody>
           </p:sp>
         </mc:Choice>
-        <mc:Fallback>
+        <mc:Fallback xmlns="">
           <p:sp>
             <p:nvSpPr>
               <p:cNvPr id="3" name="Content Placeholder 2">
@@ -14074,8 +14326,8 @@
           </a:p>
         </p:txBody>
       </p:sp>
-      <mc:AlternateContent xmlns:mc="http://schemas.openxmlformats.org/markup-compatibility/2006">
-        <mc:Choice xmlns:a14="http://schemas.microsoft.com/office/drawing/2010/main" Requires="a14">
+      <mc:AlternateContent xmlns:mc="http://schemas.openxmlformats.org/markup-compatibility/2006" xmlns:a14="http://schemas.microsoft.com/office/drawing/2010/main">
+        <mc:Choice Requires="a14">
           <p:sp>
             <p:nvSpPr>
               <p:cNvPr id="3" name="Content Placeholder 2">
@@ -14319,7 +14571,7 @@
             </p:txBody>
           </p:sp>
         </mc:Choice>
-        <mc:Fallback>
+        <mc:Fallback xmlns="">
           <p:sp>
             <p:nvSpPr>
               <p:cNvPr id="3" name="Content Placeholder 2">
